--- a/Textbooks/Shin'ichirō Tomonaga.pptx
+++ b/Textbooks/Shin'ichirō Tomonaga.pptx
@@ -518,7 +518,7 @@
             </a:r>
             <a:br/>
             <a:r>
-              <a:t>Knight, 3rd edition, Chapter 30, section 3  </a:t>
+              <a:t>Knight, Physics for Scientists and Engineers: A Strategic Approach with Modern Physics, 3rd Edition, Chapter 30, section 3  </a:t>
             </a:r>
             <a:br/>
             <a:r>

--- a/Textbooks/Shin'ichirō Tomonaga.pptx
+++ b/Textbooks/Shin'ichirō Tomonaga.pptx
@@ -518,11 +518,7 @@
             </a:r>
             <a:br/>
             <a:r>
-              <a:t>Knight, Physics for Scientists and Engineers: A Strategic Approach with Modern Physics, 3rd Edition, Chapter 30, section 3  </a:t>
-            </a:r>
-            <a:br/>
-            <a:r>
-              <a:t>  </a:t>
+              <a:t>Knight, Physics for Scientists and Engineers: A Strategic Approach with Modern Physics, 3rd Edition, Chapter 37</a:t>
             </a:r>
             <a:br/>
             <a:r>
